--- a/Measurement Analysis/K15T2-Team2-Team Assignment1/K15T2-Team2-Team Assignment1.pptx
+++ b/Measurement Analysis/K15T2-Team2-Team Assignment1/K15T2-Team2-Team Assignment1.pptx
@@ -3295,7 +3295,7 @@
           <a:graphicData uri="http://schemas.openxmlformats.org/presentationml/2006/ole">
             <mc:AlternateContent xmlns:mc="http://schemas.openxmlformats.org/markup-compatibility/2006">
               <mc:Choice xmlns:v="urn:schemas-microsoft-com:vml" Requires="v">
-                <p:oleObj spid="_x0000_s1171" name="Image" r:id="rId15" imgW="3301587" imgH="9752381" progId="Photoshop.Image.7">
+                <p:oleObj spid="_x0000_s1175" name="Image" r:id="rId15" imgW="3301587" imgH="9752381" progId="Photoshop.Image.7">
                   <p:embed/>
                 </p:oleObj>
               </mc:Choice>
@@ -5596,11 +5596,7 @@
           <a:p>
             <a:r>
               <a:rPr lang="en-US"/>
-              <a:t>Able to keep to schedules and deadlines and ensure that agreements are observed and that tasks are </a:t>
-            </a:r>
-            <a:r>
-              <a:rPr lang="en-US"/>
-              <a:t>completed</a:t>
+              <a:t>Able to keep to schedules and deadlines and ensure that agreements are observed and that tasks are completed</a:t>
             </a:r>
             <a:r>
               <a:rPr lang="en-US" smtClean="0"/>
@@ -6770,16 +6766,7 @@
                 </a:solidFill>
                 <a:cs typeface="Arial" charset="0"/>
               </a:rPr>
-              <a:t>Project </a:t>
-            </a:r>
-            <a:r>
-              <a:rPr lang="en-US" sz="2400" smtClean="0">
-                <a:solidFill>
-                  <a:schemeClr val="bg1"/>
-                </a:solidFill>
-                <a:cs typeface="Arial" charset="0"/>
-              </a:rPr>
-              <a:t>Schedule</a:t>
+              <a:t>Project Schedule</a:t>
             </a:r>
             <a:endParaRPr lang="en-US" sz="2400" b="1" dirty="0">
               <a:solidFill>
@@ -9139,16 +9126,7 @@
                 </a:solidFill>
                 <a:cs typeface="Arial" charset="0"/>
               </a:rPr>
-              <a:t>Project </a:t>
-            </a:r>
-            <a:r>
-              <a:rPr lang="en-US" sz="2400" smtClean="0">
-                <a:solidFill>
-                  <a:schemeClr val="bg1"/>
-                </a:solidFill>
-                <a:cs typeface="Arial" charset="0"/>
-              </a:rPr>
-              <a:t>Roles and Responsibility</a:t>
+              <a:t>Project Roles and Responsibility</a:t>
             </a:r>
             <a:endParaRPr lang="en-US" sz="2400" b="1" dirty="0">
               <a:solidFill>
@@ -11992,16 +11970,7 @@
                 </a:solidFill>
                 <a:cs typeface="Arial" charset="0"/>
               </a:rPr>
-              <a:t>Project </a:t>
-            </a:r>
-            <a:r>
-              <a:rPr lang="en-US" sz="2400" smtClean="0">
-                <a:solidFill>
-                  <a:schemeClr val="bg1"/>
-                </a:solidFill>
-                <a:cs typeface="Arial" charset="0"/>
-              </a:rPr>
-              <a:t>Roles and Responsibility</a:t>
+              <a:t>Project Roles and Responsibility</a:t>
             </a:r>
             <a:endParaRPr lang="en-US" sz="2400" b="1" dirty="0">
               <a:solidFill>
@@ -12182,16 +12151,7 @@
                 </a:solidFill>
                 <a:cs typeface="Arial" charset="0"/>
               </a:rPr>
-              <a:t>Project </a:t>
-            </a:r>
-            <a:r>
-              <a:rPr lang="en-US" sz="2400" smtClean="0">
-                <a:solidFill>
-                  <a:schemeClr val="bg1"/>
-                </a:solidFill>
-                <a:cs typeface="Arial" charset="0"/>
-              </a:rPr>
-              <a:t>Schedule</a:t>
+              <a:t>Project Schedule</a:t>
             </a:r>
             <a:endParaRPr lang="en-US" sz="2400" b="1" dirty="0">
               <a:solidFill>
@@ -13512,14 +13472,14 @@
           <p:nvPr>
             <p:extLst>
               <p:ext uri="{D42A27DB-BD31-4B8C-83A1-F6EECF244321}">
-                <p14:modId xmlns:p14="http://schemas.microsoft.com/office/powerpoint/2010/main" val="1196469350"/>
+                <p14:modId xmlns:p14="http://schemas.microsoft.com/office/powerpoint/2010/main" val="1916149282"/>
               </p:ext>
             </p:extLst>
           </p:nvPr>
         </p:nvGraphicFramePr>
         <p:xfrm>
           <a:off x="304799" y="1066800"/>
-          <a:ext cx="8776902" cy="10039797"/>
+          <a:ext cx="8776902" cy="11203432"/>
         </p:xfrm>
         <a:graphic>
           <a:graphicData uri="http://schemas.openxmlformats.org/drawingml/2006/table">
@@ -13896,13 +13856,7 @@
                         <a:rPr lang="en-US" sz="1600" smtClean="0">
                           <a:effectLst/>
                         </a:rPr>
-                        <a:t>measured </a:t>
-                      </a:r>
-                      <a:r>
-                        <a:rPr lang="en-US" sz="1600" smtClean="0">
-                          <a:effectLst/>
-                        </a:rPr>
-                        <a:t>by</a:t>
+                        <a:t>measured by</a:t>
                       </a:r>
                       <a:r>
                         <a:rPr lang="en-US" sz="1600" baseline="0" smtClean="0">
@@ -13945,13 +13899,7 @@
                         <a:rPr lang="en-US" sz="1600" smtClean="0">
                           <a:effectLst/>
                         </a:rPr>
-                        <a:t>by </a:t>
-                      </a:r>
-                      <a:r>
-                        <a:rPr lang="en-US" sz="1600" smtClean="0">
-                          <a:effectLst/>
-                        </a:rPr>
-                        <a:t>risks): </a:t>
+                        <a:t>by risks): </a:t>
                       </a:r>
                       <a:r>
                         <a:rPr lang="en-US" sz="1600" dirty="0" smtClean="0">
@@ -14205,17 +14153,46 @@
                     <a:bodyPr/>
                     <a:lstStyle/>
                     <a:p>
-                      <a:pPr marL="0" marR="0">
-                        <a:lnSpc>
-                          <a:spcPct val="115000"/>
-                        </a:lnSpc>
-                        <a:spcBef>
-                          <a:spcPts val="0"/>
-                        </a:spcBef>
-                        <a:spcAft>
-                          <a:spcPts val="1000"/>
-                        </a:spcAft>
-                      </a:pPr>
+                      <a:r>
+                        <a:rPr lang="en-US" sz="1800" kern="1200" smtClean="0">
+                          <a:solidFill>
+                            <a:schemeClr val="dk1"/>
+                          </a:solidFill>
+                          <a:effectLst/>
+                          <a:latin typeface="+mn-lt"/>
+                          <a:ea typeface="+mn-ea"/>
+                          <a:cs typeface="+mn-cs"/>
+                        </a:rPr>
+                        <a:t>- Numbers of risk identified (measured by risks): E</a:t>
+                      </a:r>
+                    </a:p>
+                    <a:p>
+                      <a:r>
+                        <a:rPr lang="en-US" sz="1800" kern="1200" smtClean="0">
+                          <a:solidFill>
+                            <a:schemeClr val="dk1"/>
+                          </a:solidFill>
+                          <a:effectLst/>
+                          <a:latin typeface="+mn-lt"/>
+                          <a:ea typeface="+mn-ea"/>
+                          <a:cs typeface="+mn-cs"/>
+                        </a:rPr>
+                        <a:t>- Numbers of problem occurred during all process (measured by risks): A</a:t>
+                      </a:r>
+                    </a:p>
+                    <a:p>
+                      <a:r>
+                        <a:rPr lang="en-US" sz="1800" kern="1200" smtClean="0">
+                          <a:solidFill>
+                            <a:schemeClr val="dk1"/>
+                          </a:solidFill>
+                          <a:effectLst/>
+                          <a:latin typeface="+mn-lt"/>
+                          <a:ea typeface="+mn-ea"/>
+                          <a:cs typeface="+mn-cs"/>
+                        </a:rPr>
+                        <a:t>- Deviation of the risk estimate (measured by %): D</a:t>
+                      </a:r>
                       <a:endParaRPr lang="en-US" sz="1600" dirty="0">
                         <a:effectLst/>
                         <a:latin typeface="Calibri"/>
@@ -14243,7 +14220,7 @@
                         </a:spcAft>
                       </a:pPr>
                       <a:r>
-                        <a:rPr lang="en-US" sz="1600" dirty="0">
+                        <a:rPr lang="en-US" sz="1600">
                           <a:effectLst/>
                         </a:rPr>
                         <a:t> </a:t>
@@ -14699,7 +14676,7 @@
         </p:blipFill>
         <p:spPr bwMode="auto">
           <a:xfrm>
-            <a:off x="5791200" y="8686800"/>
+            <a:off x="5801436" y="10439400"/>
             <a:ext cx="1676400" cy="838200"/>
           </a:xfrm>
           <a:prstGeom prst="rect">
@@ -14715,6 +14692,36 @@
               </a14:hiddenFill>
             </a:ext>
           </a:extLst>
+        </p:spPr>
+      </p:pic>
+      <p:pic>
+        <p:nvPicPr>
+          <p:cNvPr id="3" name="Picture 2"/>
+          <p:cNvPicPr>
+            <a:picLocks noChangeAspect="1"/>
+          </p:cNvPicPr>
+          <p:nvPr/>
+        </p:nvPicPr>
+        <p:blipFill>
+          <a:blip r:embed="rId4">
+            <a:extLst>
+              <a:ext uri="{28A0092B-C50C-407E-A947-70E740481C1C}">
+                <a14:useLocalDpi xmlns:a14="http://schemas.microsoft.com/office/drawing/2010/main" val="0"/>
+              </a:ext>
+            </a:extLst>
+          </a:blip>
+          <a:stretch>
+            <a:fillRect/>
+          </a:stretch>
+        </p:blipFill>
+        <p:spPr>
+          <a:xfrm>
+            <a:off x="5856026" y="7315200"/>
+            <a:ext cx="1478603" cy="609600"/>
+          </a:xfrm>
+          <a:prstGeom prst="rect">
+            <a:avLst/>
+          </a:prstGeom>
         </p:spPr>
       </p:pic>
     </p:spTree>
@@ -14971,14 +14978,14 @@
           <p:nvPr>
             <p:extLst>
               <p:ext uri="{D42A27DB-BD31-4B8C-83A1-F6EECF244321}">
-                <p14:modId xmlns:p14="http://schemas.microsoft.com/office/powerpoint/2010/main" val="1499267286"/>
+                <p14:modId xmlns:p14="http://schemas.microsoft.com/office/powerpoint/2010/main" val="3493518586"/>
               </p:ext>
             </p:extLst>
           </p:nvPr>
         </p:nvGraphicFramePr>
         <p:xfrm>
           <a:off x="0" y="-76200"/>
-          <a:ext cx="9144001" cy="11957332"/>
+          <a:ext cx="9144001" cy="11306076"/>
         </p:xfrm>
         <a:graphic>
           <a:graphicData uri="http://schemas.openxmlformats.org/drawingml/2006/table">
@@ -15728,7 +15735,7 @@
                           <a:spcPts val="1000"/>
                         </a:spcAft>
                       </a:pPr>
-                      <a:endParaRPr lang="en-US" sz="1800" dirty="0" smtClean="0">
+                      <a:endParaRPr lang="en-US" sz="1800" smtClean="0">
                         <a:effectLst/>
                       </a:endParaRPr>
                     </a:p>
@@ -15926,7 +15933,19 @@
                         <a:rPr lang="en-US" sz="1800">
                           <a:effectLst/>
                         </a:rPr>
-                        <a:t>     - Number of post-release defects found (to calibrate our estimating abilities) (measured by defects): X</a:t>
+                        <a:t>     - Number of post-release defects found </a:t>
+                      </a:r>
+                      <a:r>
+                        <a:rPr lang="en-US" sz="1800" smtClean="0">
+                          <a:effectLst/>
+                        </a:rPr>
+                        <a:t>(</a:t>
+                      </a:r>
+                      <a:r>
+                        <a:rPr lang="en-US" sz="1800">
+                          <a:effectLst/>
+                        </a:rPr>
+                        <a:t>measured by defects): X</a:t>
                       </a:r>
                     </a:p>
                     <a:p>
@@ -15945,7 +15964,19 @@
                         <a:rPr lang="en-US" sz="1800">
                           <a:effectLst/>
                         </a:rPr>
-                        <a:t>     - Number of pre-release defects fixed from the product (to assess product quality) (measured by defects): D</a:t>
+                        <a:t>     - Number of pre-release defects fixed from the </a:t>
+                      </a:r>
+                      <a:r>
+                        <a:rPr lang="en-US" sz="1800" smtClean="0">
+                          <a:effectLst/>
+                        </a:rPr>
+                        <a:t>product (</a:t>
+                      </a:r>
+                      <a:r>
+                        <a:rPr lang="en-US" sz="1800">
+                          <a:effectLst/>
+                        </a:rPr>
+                        <a:t>measured by defects): D</a:t>
                       </a:r>
                     </a:p>
                     <a:p>
@@ -16138,7 +16169,7 @@
       </p:pic>
       <p:pic>
         <p:nvPicPr>
-          <p:cNvPr id="14" name="Picture 6"/>
+          <p:cNvPr id="15" name="Picture 5"/>
           <p:cNvPicPr>
             <a:picLocks noChangeAspect="1" noChangeArrowheads="1"/>
           </p:cNvPicPr>
@@ -16146,47 +16177,6 @@
         </p:nvPicPr>
         <p:blipFill>
           <a:blip r:embed="rId3">
-            <a:extLst>
-              <a:ext uri="{28A0092B-C50C-407E-A947-70E740481C1C}">
-                <a14:useLocalDpi xmlns:a14="http://schemas.microsoft.com/office/drawing/2010/main" val="0"/>
-              </a:ext>
-            </a:extLst>
-          </a:blip>
-          <a:srcRect/>
-          <a:stretch>
-            <a:fillRect/>
-          </a:stretch>
-        </p:blipFill>
-        <p:spPr bwMode="auto">
-          <a:xfrm>
-            <a:off x="5853406" y="3962400"/>
-            <a:ext cx="1527759" cy="805851"/>
-          </a:xfrm>
-          <a:prstGeom prst="rect">
-            <a:avLst/>
-          </a:prstGeom>
-          <a:noFill/>
-          <a:extLst>
-            <a:ext uri="{909E8E84-426E-40DD-AFC4-6F175D3DCCD1}">
-              <a14:hiddenFill xmlns:a14="http://schemas.microsoft.com/office/drawing/2010/main">
-                <a:solidFill>
-                  <a:srgbClr val="FFFFFF"/>
-                </a:solidFill>
-              </a14:hiddenFill>
-            </a:ext>
-          </a:extLst>
-        </p:spPr>
-      </p:pic>
-      <p:pic>
-        <p:nvPicPr>
-          <p:cNvPr id="15" name="Picture 5"/>
-          <p:cNvPicPr>
-            <a:picLocks noChangeAspect="1" noChangeArrowheads="1"/>
-          </p:cNvPicPr>
-          <p:nvPr/>
-        </p:nvPicPr>
-        <p:blipFill>
-          <a:blip r:embed="rId4">
             <a:extLst>
               <a:ext uri="{28A0092B-C50C-407E-A947-70E740481C1C}">
                 <a14:useLocalDpi xmlns:a14="http://schemas.microsoft.com/office/drawing/2010/main" val="0"/>
@@ -16227,7 +16217,7 @@
           <p:nvPr/>
         </p:nvPicPr>
         <p:blipFill>
-          <a:blip r:embed="rId5">
+          <a:blip r:embed="rId4">
             <a:extLst>
               <a:ext uri="{28A0092B-C50C-407E-A947-70E740481C1C}">
                 <a14:useLocalDpi xmlns:a14="http://schemas.microsoft.com/office/drawing/2010/main" val="0"/>
@@ -16241,8 +16231,8 @@
         </p:blipFill>
         <p:spPr bwMode="auto">
           <a:xfrm>
-            <a:off x="6027938" y="9677400"/>
-            <a:ext cx="1278965" cy="609600"/>
+            <a:off x="5847774" y="9448801"/>
+            <a:ext cx="1758578" cy="838200"/>
           </a:xfrm>
           <a:prstGeom prst="rect">
             <a:avLst/>
@@ -16261,66 +16251,32 @@
       </p:pic>
       <p:pic>
         <p:nvPicPr>
-          <p:cNvPr id="57346" name="Picture 2"/>
+          <p:cNvPr id="2" name="Picture 1"/>
           <p:cNvPicPr>
-            <a:picLocks noChangeAspect="1" noChangeArrowheads="1"/>
+            <a:picLocks noChangeAspect="1"/>
           </p:cNvPicPr>
           <p:nvPr/>
         </p:nvPicPr>
         <p:blipFill>
-          <a:blip r:embed="rId6">
+          <a:blip r:embed="rId5">
             <a:extLst>
               <a:ext uri="{28A0092B-C50C-407E-A947-70E740481C1C}">
                 <a14:useLocalDpi xmlns:a14="http://schemas.microsoft.com/office/drawing/2010/main" val="0"/>
               </a:ext>
             </a:extLst>
           </a:blip>
-          <a:srcRect/>
           <a:stretch>
             <a:fillRect/>
           </a:stretch>
         </p:blipFill>
-        <p:spPr bwMode="auto">
+        <p:spPr>
           <a:xfrm>
-            <a:off x="5791200" y="4038600"/>
-            <a:ext cx="1740877" cy="838200"/>
+            <a:off x="5969454" y="4114800"/>
+            <a:ext cx="1444624" cy="762000"/>
           </a:xfrm>
           <a:prstGeom prst="rect">
             <a:avLst/>
           </a:prstGeom>
-          <a:noFill/>
-          <a:ln>
-            <a:noFill/>
-          </a:ln>
-          <a:effectLst/>
-          <a:extLst>
-            <a:ext uri="{909E8E84-426E-40DD-AFC4-6F175D3DCCD1}">
-              <a14:hiddenFill xmlns:a14="http://schemas.microsoft.com/office/drawing/2010/main">
-                <a:solidFill>
-                  <a:schemeClr val="accent1"/>
-                </a:solidFill>
-              </a14:hiddenFill>
-            </a:ext>
-            <a:ext uri="{91240B29-F687-4F45-9708-019B960494DF}">
-              <a14:hiddenLine xmlns:a14="http://schemas.microsoft.com/office/drawing/2010/main" w="9525">
-                <a:solidFill>
-                  <a:schemeClr val="tx1"/>
-                </a:solidFill>
-                <a:miter lim="800000"/>
-                <a:headEnd/>
-                <a:tailEnd/>
-              </a14:hiddenLine>
-            </a:ext>
-            <a:ext uri="{AF507438-7753-43E0-B8FC-AC1667EBCBE1}">
-              <a14:hiddenEffects xmlns:a14="http://schemas.microsoft.com/office/drawing/2010/main">
-                <a:effectLst>
-                  <a:outerShdw dist="35921" dir="2700000" algn="ctr" rotWithShape="0">
-                    <a:schemeClr val="bg2"/>
-                  </a:outerShdw>
-                </a:effectLst>
-              </a14:hiddenEffects>
-            </a:ext>
-          </a:extLst>
         </p:spPr>
       </p:pic>
     </p:spTree>
@@ -16461,7 +16417,7 @@
                                       <p:cBhvr additive="base">
                                         <p:cTn id="12" dur="250"/>
                                         <p:tgtEl>
-                                          <p:spTgt spid="14"/>
+                                          <p:spTgt spid="13"/>
                                         </p:tgtEl>
                                         <p:attrNameLst>
                                           <p:attrName>ppt_x</p:attrName>
@@ -16484,7 +16440,7 @@
                                       <p:cBhvr additive="base">
                                         <p:cTn id="13" dur="250"/>
                                         <p:tgtEl>
-                                          <p:spTgt spid="14"/>
+                                          <p:spTgt spid="13"/>
                                         </p:tgtEl>
                                         <p:attrNameLst>
                                           <p:attrName>ppt_y</p:attrName>
@@ -16511,79 +16467,6 @@
                                           </p:stCondLst>
                                         </p:cTn>
                                         <p:tgtEl>
-                                          <p:spTgt spid="14"/>
-                                        </p:tgtEl>
-                                        <p:attrNameLst>
-                                          <p:attrName>style.visibility</p:attrName>
-                                        </p:attrNameLst>
-                                      </p:cBhvr>
-                                      <p:to>
-                                        <p:strVal val="hidden"/>
-                                      </p:to>
-                                    </p:set>
-                                  </p:childTnLst>
-                                </p:cTn>
-                              </p:par>
-                              <p:par>
-                                <p:cTn id="15" presetID="2" presetClass="exit" presetSubtype="4" fill="hold" nodeType="withEffect">
-                                  <p:stCondLst>
-                                    <p:cond delay="0"/>
-                                  </p:stCondLst>
-                                  <p:childTnLst>
-                                    <p:anim calcmode="lin" valueType="num">
-                                      <p:cBhvr additive="base">
-                                        <p:cTn id="16" dur="250"/>
-                                        <p:tgtEl>
-                                          <p:spTgt spid="13"/>
-                                        </p:tgtEl>
-                                        <p:attrNameLst>
-                                          <p:attrName>ppt_x</p:attrName>
-                                        </p:attrNameLst>
-                                      </p:cBhvr>
-                                      <p:tavLst>
-                                        <p:tav tm="0">
-                                          <p:val>
-                                            <p:strVal val="ppt_x"/>
-                                          </p:val>
-                                        </p:tav>
-                                        <p:tav tm="100000">
-                                          <p:val>
-                                            <p:strVal val="ppt_x"/>
-                                          </p:val>
-                                        </p:tav>
-                                      </p:tavLst>
-                                    </p:anim>
-                                    <p:anim calcmode="lin" valueType="num">
-                                      <p:cBhvr additive="base">
-                                        <p:cTn id="17" dur="250"/>
-                                        <p:tgtEl>
-                                          <p:spTgt spid="13"/>
-                                        </p:tgtEl>
-                                        <p:attrNameLst>
-                                          <p:attrName>ppt_y</p:attrName>
-                                        </p:attrNameLst>
-                                      </p:cBhvr>
-                                      <p:tavLst>
-                                        <p:tav tm="0">
-                                          <p:val>
-                                            <p:strVal val="ppt_y"/>
-                                          </p:val>
-                                        </p:tav>
-                                        <p:tav tm="100000">
-                                          <p:val>
-                                            <p:strVal val="1+ppt_h/2"/>
-                                          </p:val>
-                                        </p:tav>
-                                      </p:tavLst>
-                                    </p:anim>
-                                    <p:set>
-                                      <p:cBhvr>
-                                        <p:cTn id="18" dur="1" fill="hold">
-                                          <p:stCondLst>
-                                            <p:cond delay="249"/>
-                                          </p:stCondLst>
-                                        </p:cTn>
-                                        <p:tgtEl>
                                           <p:spTgt spid="13"/>
                                         </p:tgtEl>
                                         <p:attrNameLst>
@@ -16594,87 +16477,6 @@
                                         <p:strVal val="hidden"/>
                                       </p:to>
                                     </p:set>
-                                  </p:childTnLst>
-                                </p:cTn>
-                              </p:par>
-                              <p:par>
-                                <p:cTn id="19" presetID="53" presetClass="entr" presetSubtype="16" fill="hold" nodeType="withEffect">
-                                  <p:stCondLst>
-                                    <p:cond delay="0"/>
-                                  </p:stCondLst>
-                                  <p:childTnLst>
-                                    <p:set>
-                                      <p:cBhvr>
-                                        <p:cTn id="20" dur="1" fill="hold">
-                                          <p:stCondLst>
-                                            <p:cond delay="0"/>
-                                          </p:stCondLst>
-                                        </p:cTn>
-                                        <p:tgtEl>
-                                          <p:spTgt spid="57346"/>
-                                        </p:tgtEl>
-                                        <p:attrNameLst>
-                                          <p:attrName>style.visibility</p:attrName>
-                                        </p:attrNameLst>
-                                      </p:cBhvr>
-                                      <p:to>
-                                        <p:strVal val="visible"/>
-                                      </p:to>
-                                    </p:set>
-                                    <p:anim calcmode="lin" valueType="num">
-                                      <p:cBhvr>
-                                        <p:cTn id="21" dur="500" fill="hold"/>
-                                        <p:tgtEl>
-                                          <p:spTgt spid="57346"/>
-                                        </p:tgtEl>
-                                        <p:attrNameLst>
-                                          <p:attrName>ppt_w</p:attrName>
-                                        </p:attrNameLst>
-                                      </p:cBhvr>
-                                      <p:tavLst>
-                                        <p:tav tm="0">
-                                          <p:val>
-                                            <p:fltVal val="0"/>
-                                          </p:val>
-                                        </p:tav>
-                                        <p:tav tm="100000">
-                                          <p:val>
-                                            <p:strVal val="#ppt_w"/>
-                                          </p:val>
-                                        </p:tav>
-                                      </p:tavLst>
-                                    </p:anim>
-                                    <p:anim calcmode="lin" valueType="num">
-                                      <p:cBhvr>
-                                        <p:cTn id="22" dur="500" fill="hold"/>
-                                        <p:tgtEl>
-                                          <p:spTgt spid="57346"/>
-                                        </p:tgtEl>
-                                        <p:attrNameLst>
-                                          <p:attrName>ppt_h</p:attrName>
-                                        </p:attrNameLst>
-                                      </p:cBhvr>
-                                      <p:tavLst>
-                                        <p:tav tm="0">
-                                          <p:val>
-                                            <p:fltVal val="0"/>
-                                          </p:val>
-                                        </p:tav>
-                                        <p:tav tm="100000">
-                                          <p:val>
-                                            <p:strVal val="#ppt_h"/>
-                                          </p:val>
-                                        </p:tav>
-                                      </p:tavLst>
-                                    </p:anim>
-                                    <p:animEffect transition="in" filter="fade">
-                                      <p:cBhvr>
-                                        <p:cTn id="23" dur="500"/>
-                                        <p:tgtEl>
-                                          <p:spTgt spid="57346"/>
-                                        </p:tgtEl>
-                                      </p:cBhvr>
-                                    </p:animEffect>
                                   </p:childTnLst>
                                 </p:cTn>
                               </p:par>
@@ -20116,45 +19918,7 @@
                 <a:ea typeface="Verdana"/>
                 <a:cs typeface="Verdana"/>
               </a:rPr>
-              <a:t>for </a:t>
-            </a:r>
-            <a:r>
-              <a:rPr lang="en-US" sz="5400" kern="10" smtClean="0">
-                <a:ln w="31550" cmpd="sng">
-                  <a:gradFill>
-                    <a:gsLst>
-                      <a:gs pos="25000">
-                        <a:schemeClr val="accent1">
-                          <a:shade val="25000"/>
-                          <a:satMod val="190000"/>
-                        </a:schemeClr>
-                      </a:gs>
-                      <a:gs pos="80000">
-                        <a:schemeClr val="accent1">
-                          <a:tint val="75000"/>
-                          <a:satMod val="190000"/>
-                        </a:schemeClr>
-                      </a:gs>
-                    </a:gsLst>
-                    <a:lin ang="5400000"/>
-                  </a:gradFill>
-                  <a:prstDash val="solid"/>
-                </a:ln>
-                <a:solidFill>
-                  <a:srgbClr val="FFFFFF"/>
-                </a:solidFill>
-                <a:effectLst>
-                  <a:outerShdw blurRad="41275" dist="12700" dir="12000000" algn="tl" rotWithShape="0">
-                    <a:srgbClr val="000000">
-                      <a:alpha val="40000"/>
-                    </a:srgbClr>
-                  </a:outerShdw>
-                </a:effectLst>
-                <a:latin typeface="Gabriola" pitchFamily="82" charset="0"/>
-                <a:ea typeface="Verdana"/>
-                <a:cs typeface="Verdana"/>
-              </a:rPr>
-              <a:t>your </a:t>
+              <a:t>for your </a:t>
             </a:r>
             <a:r>
               <a:rPr lang="en-US" sz="5400" kern="10" dirty="0" smtClean="0">
@@ -25111,29 +24875,8 @@
                 <a:latin typeface="Arial" pitchFamily="34" charset="0"/>
                 <a:cs typeface="Arial" pitchFamily="34" charset="0"/>
               </a:rPr>
-              <a:t>Project Roles and </a:t>
+              <a:t>Project Roles and Responsibility</a:t>
             </a:r>
-            <a:r>
-              <a:rPr lang="en-US" sz="3400">
-                <a:solidFill>
-                  <a:schemeClr val="accent1">
-                    <a:lumMod val="25000"/>
-                  </a:schemeClr>
-                </a:solidFill>
-                <a:latin typeface="Arial" pitchFamily="34" charset="0"/>
-                <a:cs typeface="Arial" pitchFamily="34" charset="0"/>
-              </a:rPr>
-              <a:t>Responsibility</a:t>
-            </a:r>
-            <a:endParaRPr lang="en-US" sz="3400">
-              <a:solidFill>
-                <a:schemeClr val="accent1">
-                  <a:lumMod val="25000"/>
-                </a:schemeClr>
-              </a:solidFill>
-              <a:latin typeface="Arial" pitchFamily="34" charset="0"/>
-              <a:cs typeface="Arial" pitchFamily="34" charset="0"/>
-            </a:endParaRPr>
           </a:p>
         </p:txBody>
       </p:sp>
@@ -25316,7 +25059,7 @@
         </p:nvGraphicFramePr>
         <p:xfrm>
           <a:off x="1295400" y="1143000"/>
-          <a:ext cx="7772400" cy="5716016"/>
+          <a:ext cx="7772400" cy="5801868"/>
         </p:xfrm>
         <a:graphic>
           <a:graphicData uri="http://schemas.openxmlformats.org/drawingml/2006/table">
@@ -25674,13 +25417,7 @@
                         <a:rPr lang="en-US" sz="1800">
                           <a:effectLst/>
                         </a:rPr>
-                        <a:t>, balanced, focused and </a:t>
-                      </a:r>
-                      <a:r>
-                        <a:rPr lang="en-US" sz="1800">
-                          <a:effectLst/>
-                        </a:rPr>
-                        <a:t>confident</a:t>
+                        <a:t>, balanced, focused and confident</a:t>
                       </a:r>
                       <a:r>
                         <a:rPr lang="en-US" sz="1800" smtClean="0">
@@ -25886,16 +25623,7 @@
                           </a:solidFill>
                           <a:effectLst/>
                         </a:rPr>
-                        <a:t>Lead the team in producing the task plan for the </a:t>
-                      </a:r>
-                      <a:r>
-                        <a:rPr lang="en-US" sz="2000" b="0">
-                          <a:solidFill>
-                            <a:schemeClr val="tx1"/>
-                          </a:solidFill>
-                          <a:effectLst/>
-                        </a:rPr>
-                        <a:t>current </a:t>
+                        <a:t>Lead the team in producing the task plan for the current </a:t>
                       </a:r>
                       <a:r>
                         <a:rPr lang="en-US" sz="2000" b="0" smtClean="0">
@@ -26453,11 +26181,7 @@
             </a:pPr>
             <a:r>
               <a:rPr lang="en-US"/>
-              <a:t>Out of that all team member can be</a:t>
-            </a:r>
-            <a:r>
-              <a:rPr lang="en-US"/>
-              <a:t>: </a:t>
+              <a:t>Out of that all team member can be: </a:t>
             </a:r>
             <a:endParaRPr lang="en-US" smtClean="0"/>
           </a:p>
@@ -26487,11 +26211,7 @@
             <a:pPr lvl="0"/>
             <a:r>
               <a:rPr lang="en-US"/>
-              <a:t>Able to think laterally and produce ideas for </a:t>
-            </a:r>
-            <a:r>
-              <a:rPr lang="en-US"/>
-              <a:t>the </a:t>
+              <a:t>Able to think laterally and produce ideas for the </a:t>
             </a:r>
             <a:r>
               <a:rPr lang="en-US" smtClean="0"/>
@@ -26647,11 +26367,7 @@
           <a:p>
             <a:r>
               <a:rPr lang="en-US"/>
-              <a:t>Is </a:t>
-            </a:r>
-            <a:r>
-              <a:rPr lang="en-US"/>
-              <a:t>the </a:t>
+              <a:t>Is the </a:t>
             </a:r>
             <a:r>
               <a:rPr lang="en-US" smtClean="0"/>
@@ -26659,11 +26375,7 @@
             </a:r>
             <a:r>
               <a:rPr lang="en-US"/>
-              <a:t>for the </a:t>
-            </a:r>
-            <a:r>
-              <a:rPr lang="en-US"/>
-              <a:t>group</a:t>
+              <a:t>for the group</a:t>
             </a:r>
             <a:r>
               <a:rPr lang="en-US" smtClean="0"/>
@@ -26682,11 +26394,7 @@
             </a:pPr>
             <a:r>
               <a:rPr lang="en-US"/>
-              <a:t>The information </a:t>
-            </a:r>
-            <a:r>
-              <a:rPr lang="en-US"/>
-              <a:t>gatherer </a:t>
+              <a:t>The information gatherer </a:t>
             </a:r>
             <a:endParaRPr lang="en-US" smtClean="0"/>
           </a:p>
@@ -26702,7 +26410,6 @@
               <a:rPr lang="en-US"/>
               <a:t>Able to glean ideas and find new contacts and sources of support for the group.</a:t>
             </a:r>
-            <a:endParaRPr lang="en-US"/>
           </a:p>
         </p:txBody>
       </p:sp>
